--- a/Diapositivas/Diapositivas Del Proyecto De Aula (DSB) Final.pptx
+++ b/Diapositivas/Diapositivas Del Proyecto De Aula (DSB) Final.pptx
@@ -16,9 +16,8 @@
     <p:sldId id="274" r:id="rId10"/>
     <p:sldId id="273" r:id="rId11"/>
     <p:sldId id="275" r:id="rId12"/>
-    <p:sldId id="277" r:id="rId13"/>
-    <p:sldId id="276" r:id="rId14"/>
-    <p:sldId id="259" r:id="rId15"/>
+    <p:sldId id="276" r:id="rId13"/>
+    <p:sldId id="259" r:id="rId14"/>
   </p:sldIdLst>
   <p:sldSz cx="20104100" cy="11309350"/>
   <p:notesSz cx="20104100" cy="11309350"/>
@@ -275,7 +274,7 @@
           <a:p>
             <a:fld id="{1D8BD707-D9CF-40AE-B4C6-C98DA3205C09}" type="datetimeFigureOut">
               <a:rPr lang="en-US"/>
-              <a:t>8/15/2024</a:t>
+              <a:t>5/12/2024</a:t>
             </a:fld>
             <a:endParaRPr lang="en-US"/>
           </a:p>
@@ -452,7 +451,7 @@
           <a:p>
             <a:fld id="{1D8BD707-D9CF-40AE-B4C6-C98DA3205C09}" type="datetimeFigureOut">
               <a:rPr lang="en-US"/>
-              <a:t>8/15/2024</a:t>
+              <a:t>5/12/2024</a:t>
             </a:fld>
             <a:endParaRPr lang="en-US"/>
           </a:p>
@@ -871,7 +870,7 @@
           <a:p>
             <a:fld id="{1D8BD707-D9CF-40AE-B4C6-C98DA3205C09}" type="datetimeFigureOut">
               <a:rPr lang="en-US"/>
-              <a:t>8/15/2024</a:t>
+              <a:t>5/12/2024</a:t>
             </a:fld>
             <a:endParaRPr lang="en-US"/>
           </a:p>
@@ -1263,7 +1262,7 @@
           <a:p>
             <a:fld id="{1D8BD707-D9CF-40AE-B4C6-C98DA3205C09}" type="datetimeFigureOut">
               <a:rPr lang="en-US"/>
-              <a:t>8/15/2024</a:t>
+              <a:t>5/12/2024</a:t>
             </a:fld>
             <a:endParaRPr lang="en-US"/>
           </a:p>
@@ -1382,7 +1381,7 @@
           <a:p>
             <a:fld id="{1D8BD707-D9CF-40AE-B4C6-C98DA3205C09}" type="datetimeFigureOut">
               <a:rPr lang="en-US"/>
-              <a:t>8/15/2024</a:t>
+              <a:t>5/12/2024</a:t>
             </a:fld>
             <a:endParaRPr lang="en-US"/>
           </a:p>
@@ -1607,7 +1606,7 @@
           <a:p>
             <a:fld id="{1D8BD707-D9CF-40AE-B4C6-C98DA3205C09}" type="datetimeFigureOut">
               <a:rPr lang="en-US"/>
-              <a:t>8/15/2024</a:t>
+              <a:t>5/12/2024</a:t>
             </a:fld>
             <a:endParaRPr lang="en-US"/>
           </a:p>
@@ -1915,7 +1914,7 @@
         <p:spPr>
           <a:xfrm>
             <a:off x="831850" y="8474075"/>
-            <a:ext cx="7543800" cy="2590800"/>
+            <a:ext cx="7543800" cy="2133600"/>
           </a:xfrm>
           <a:prstGeom prst="rect">
             <a:avLst/>
@@ -2025,6 +2024,16 @@
               <a:buChar char="•"/>
             </a:pPr>
             <a:r>
+              <a:rPr lang="es-CO" sz="4000" kern="0" dirty="0" err="1">
+                <a:solidFill>
+                  <a:schemeClr val="bg1"/>
+                </a:solidFill>
+                <a:latin typeface="Times New Roman" panose="02020603050405020304" pitchFamily="18" charset="0"/>
+                <a:cs typeface="Times New Roman" panose="02020603050405020304" pitchFamily="18" charset="0"/>
+              </a:rPr>
+              <a:t>Keyner</a:t>
+            </a:r>
+            <a:r>
               <a:rPr lang="es-CO" sz="4000" kern="0" dirty="0">
                 <a:solidFill>
                   <a:schemeClr val="bg1"/>
@@ -2032,7 +2041,7 @@
                 <a:latin typeface="Times New Roman" panose="02020603050405020304" pitchFamily="18" charset="0"/>
                 <a:cs typeface="Times New Roman" panose="02020603050405020304" pitchFamily="18" charset="0"/>
               </a:rPr>
-              <a:t>Keyner Alfonso Reyes Tejedor.</a:t>
+              <a:t> Alfonso Reyes Tejedor.</a:t>
             </a:r>
           </a:p>
           <a:p>
@@ -3555,7 +3564,7 @@
               </a:spcAft>
             </a:pPr>
             <a:r>
-              <a:rPr lang="es-ES" sz="3600" kern="0" dirty="0">
+              <a:rPr lang="es-ES" sz="3600" kern="0">
                 <a:solidFill>
                   <a:sysClr val="windowText" lastClr="000000"/>
                 </a:solidFill>
@@ -3564,6 +3573,13 @@
               </a:rPr>
               <a:t>3. Cálculos de consumo de energía:</a:t>
             </a:r>
+            <a:endParaRPr lang="es-ES" sz="3600" kern="0" dirty="0">
+              <a:solidFill>
+                <a:sysClr val="windowText" lastClr="000000"/>
+              </a:solidFill>
+              <a:latin typeface="Times New Roman" panose="02020603050405020304" pitchFamily="18" charset="0"/>
+              <a:cs typeface="Times New Roman" panose="02020603050405020304" pitchFamily="18" charset="0"/>
+            </a:endParaRPr>
           </a:p>
         </p:txBody>
       </p:sp>
@@ -3582,7 +3598,7 @@
           <p:nvPr>
             <p:extLst>
               <p:ext uri="{D42A27DB-BD31-4B8C-83A1-F6EECF244321}">
-                <p14:modId xmlns:p14="http://schemas.microsoft.com/office/powerpoint/2010/main" val="1543602692"/>
+                <p14:modId xmlns:p14="http://schemas.microsoft.com/office/powerpoint/2010/main" val="451482391"/>
               </p:ext>
             </p:extLst>
           </p:nvPr>
@@ -3661,8 +3677,6 @@
                             <a:srgbClr val="002060"/>
                           </a:solidFill>
                           <a:effectLst/>
-                          <a:latin typeface="Times New Roman" panose="02020603050405020304" pitchFamily="18" charset="0"/>
-                          <a:cs typeface="Times New Roman" panose="02020603050405020304" pitchFamily="18" charset="0"/>
                         </a:rPr>
                         <a:t>Cálculo del consumo de energía</a:t>
                       </a:r>
@@ -3672,7 +3686,6 @@
                         </a:solidFill>
                         <a:effectLst/>
                         <a:latin typeface="Times New Roman" panose="02020603050405020304" pitchFamily="18" charset="0"/>
-                        <a:cs typeface="Times New Roman" panose="02020603050405020304" pitchFamily="18" charset="0"/>
                       </a:endParaRPr>
                     </a:p>
                   </a:txBody>
@@ -3752,23 +3765,20 @@
                     <a:p>
                       <a:pPr algn="ctr" fontAlgn="ctr"/>
                       <a:r>
-                        <a:rPr lang="es-CO" sz="3200" b="1" u="none" strike="noStrike" dirty="0">
+                        <a:rPr lang="es-CO" sz="3200" b="1" u="none" strike="noStrike">
                           <a:solidFill>
                             <a:srgbClr val="002060"/>
                           </a:solidFill>
                           <a:effectLst/>
-                          <a:latin typeface="Times New Roman" panose="02020603050405020304" pitchFamily="18" charset="0"/>
-                          <a:cs typeface="Times New Roman" panose="02020603050405020304" pitchFamily="18" charset="0"/>
                         </a:rPr>
                         <a:t>Integrantes</a:t>
                       </a:r>
-                      <a:endParaRPr lang="es-CO" sz="3200" b="1" i="0" u="none" strike="noStrike" dirty="0">
+                      <a:endParaRPr lang="es-CO" sz="3200" b="1" i="0" u="none" strike="noStrike">
                         <a:solidFill>
                           <a:srgbClr val="002060"/>
                         </a:solidFill>
                         <a:effectLst/>
                         <a:latin typeface="Times New Roman" panose="02020603050405020304" pitchFamily="18" charset="0"/>
-                        <a:cs typeface="Times New Roman" panose="02020603050405020304" pitchFamily="18" charset="0"/>
                       </a:endParaRPr>
                     </a:p>
                   </a:txBody>
@@ -3786,8 +3796,6 @@
                             <a:srgbClr val="002060"/>
                           </a:solidFill>
                           <a:effectLst/>
-                          <a:latin typeface="Times New Roman" panose="02020603050405020304" pitchFamily="18" charset="0"/>
-                          <a:cs typeface="Times New Roman" panose="02020603050405020304" pitchFamily="18" charset="0"/>
                         </a:rPr>
                         <a:t>Potencia</a:t>
                       </a:r>
@@ -3797,7 +3805,32 @@
                         </a:solidFill>
                         <a:effectLst/>
                         <a:latin typeface="Times New Roman" panose="02020603050405020304" pitchFamily="18" charset="0"/>
-                        <a:cs typeface="Times New Roman" panose="02020603050405020304" pitchFamily="18" charset="0"/>
+                      </a:endParaRPr>
+                    </a:p>
+                  </a:txBody>
+                  <a:tcPr marL="9445" marR="9445" marT="9445" marB="0" anchor="ctr"/>
+                </a:tc>
+                <a:tc>
+                  <a:txBody>
+                    <a:bodyPr/>
+                    <a:lstStyle/>
+                    <a:p>
+                      <a:pPr algn="ctr" fontAlgn="ctr"/>
+                      <a:r>
+                        <a:rPr lang="es-CO" sz="3200" b="1" u="none" strike="noStrike">
+                          <a:solidFill>
+                            <a:srgbClr val="002060"/>
+                          </a:solidFill>
+                          <a:effectLst/>
+                        </a:rPr>
+                        <a:t>Tiempo de uso diario</a:t>
+                      </a:r>
+                      <a:endParaRPr lang="es-CO" sz="3200" b="1" i="0" u="none" strike="noStrike">
+                        <a:solidFill>
+                          <a:srgbClr val="002060"/>
+                        </a:solidFill>
+                        <a:effectLst/>
+                        <a:latin typeface="Times New Roman" panose="02020603050405020304" pitchFamily="18" charset="0"/>
                       </a:endParaRPr>
                     </a:p>
                   </a:txBody>
@@ -3815,10 +3848,8 @@
                             <a:srgbClr val="002060"/>
                           </a:solidFill>
                           <a:effectLst/>
-                          <a:latin typeface="Times New Roman" panose="02020603050405020304" pitchFamily="18" charset="0"/>
-                          <a:cs typeface="Times New Roman" panose="02020603050405020304" pitchFamily="18" charset="0"/>
                         </a:rPr>
-                        <a:t>Tiempo de uso diario</a:t>
+                        <a:t>Consumo diario</a:t>
                       </a:r>
                       <a:endParaRPr lang="es-CO" sz="3200" b="1" i="0" u="none" strike="noStrike" dirty="0">
                         <a:solidFill>
@@ -3826,7 +3857,32 @@
                         </a:solidFill>
                         <a:effectLst/>
                         <a:latin typeface="Times New Roman" panose="02020603050405020304" pitchFamily="18" charset="0"/>
-                        <a:cs typeface="Times New Roman" panose="02020603050405020304" pitchFamily="18" charset="0"/>
+                      </a:endParaRPr>
+                    </a:p>
+                  </a:txBody>
+                  <a:tcPr marL="9445" marR="9445" marT="9445" marB="0" anchor="ctr"/>
+                </a:tc>
+                <a:tc>
+                  <a:txBody>
+                    <a:bodyPr/>
+                    <a:lstStyle/>
+                    <a:p>
+                      <a:pPr algn="ctr" fontAlgn="ctr"/>
+                      <a:r>
+                        <a:rPr lang="es-CO" sz="3200" b="1" u="none" strike="noStrike">
+                          <a:solidFill>
+                            <a:srgbClr val="002060"/>
+                          </a:solidFill>
+                          <a:effectLst/>
+                        </a:rPr>
+                        <a:t>Consumo Semanal</a:t>
+                      </a:r>
+                      <a:endParaRPr lang="es-CO" sz="3200" b="1" i="0" u="none" strike="noStrike">
+                        <a:solidFill>
+                          <a:srgbClr val="002060"/>
+                        </a:solidFill>
+                        <a:effectLst/>
+                        <a:latin typeface="Times New Roman" panose="02020603050405020304" pitchFamily="18" charset="0"/>
                       </a:endParaRPr>
                     </a:p>
                   </a:txBody>
@@ -3844,66 +3900,6 @@
                             <a:srgbClr val="002060"/>
                           </a:solidFill>
                           <a:effectLst/>
-                          <a:latin typeface="Times New Roman" panose="02020603050405020304" pitchFamily="18" charset="0"/>
-                          <a:cs typeface="Times New Roman" panose="02020603050405020304" pitchFamily="18" charset="0"/>
-                        </a:rPr>
-                        <a:t>Consumo diario</a:t>
-                      </a:r>
-                      <a:endParaRPr lang="es-CO" sz="3200" b="1" i="0" u="none" strike="noStrike" dirty="0">
-                        <a:solidFill>
-                          <a:srgbClr val="002060"/>
-                        </a:solidFill>
-                        <a:effectLst/>
-                        <a:latin typeface="Times New Roman" panose="02020603050405020304" pitchFamily="18" charset="0"/>
-                        <a:cs typeface="Times New Roman" panose="02020603050405020304" pitchFamily="18" charset="0"/>
-                      </a:endParaRPr>
-                    </a:p>
-                  </a:txBody>
-                  <a:tcPr marL="9445" marR="9445" marT="9445" marB="0" anchor="ctr"/>
-                </a:tc>
-                <a:tc>
-                  <a:txBody>
-                    <a:bodyPr/>
-                    <a:lstStyle/>
-                    <a:p>
-                      <a:pPr algn="ctr" fontAlgn="ctr"/>
-                      <a:r>
-                        <a:rPr lang="es-CO" sz="3200" b="1" u="none" strike="noStrike" dirty="0">
-                          <a:solidFill>
-                            <a:srgbClr val="002060"/>
-                          </a:solidFill>
-                          <a:effectLst/>
-                          <a:latin typeface="Times New Roman" panose="02020603050405020304" pitchFamily="18" charset="0"/>
-                          <a:cs typeface="Times New Roman" panose="02020603050405020304" pitchFamily="18" charset="0"/>
-                        </a:rPr>
-                        <a:t>Consumo Semanal</a:t>
-                      </a:r>
-                      <a:endParaRPr lang="es-CO" sz="3200" b="1" i="0" u="none" strike="noStrike" dirty="0">
-                        <a:solidFill>
-                          <a:srgbClr val="002060"/>
-                        </a:solidFill>
-                        <a:effectLst/>
-                        <a:latin typeface="Times New Roman" panose="02020603050405020304" pitchFamily="18" charset="0"/>
-                        <a:cs typeface="Times New Roman" panose="02020603050405020304" pitchFamily="18" charset="0"/>
-                      </a:endParaRPr>
-                    </a:p>
-                  </a:txBody>
-                  <a:tcPr marL="9445" marR="9445" marT="9445" marB="0" anchor="ctr"/>
-                </a:tc>
-                <a:tc>
-                  <a:txBody>
-                    <a:bodyPr/>
-                    <a:lstStyle/>
-                    <a:p>
-                      <a:pPr algn="ctr" fontAlgn="ctr"/>
-                      <a:r>
-                        <a:rPr lang="es-CO" sz="3200" b="1" u="none" strike="noStrike" dirty="0">
-                          <a:solidFill>
-                            <a:srgbClr val="002060"/>
-                          </a:solidFill>
-                          <a:effectLst/>
-                          <a:latin typeface="Times New Roman" panose="02020603050405020304" pitchFamily="18" charset="0"/>
-                          <a:cs typeface="Times New Roman" panose="02020603050405020304" pitchFamily="18" charset="0"/>
                         </a:rPr>
                         <a:t>Consumo mensual</a:t>
                       </a:r>
@@ -3913,7 +3909,6 @@
                         </a:solidFill>
                         <a:effectLst/>
                         <a:latin typeface="Times New Roman" panose="02020603050405020304" pitchFamily="18" charset="0"/>
-                        <a:cs typeface="Times New Roman" panose="02020603050405020304" pitchFamily="18" charset="0"/>
                       </a:endParaRPr>
                     </a:p>
                   </a:txBody>
@@ -3950,7 +3945,7 @@
                     <a:p>
                       <a:pPr algn="ctr" fontAlgn="ctr"/>
                       <a:r>
-                        <a:rPr lang="es-CO" sz="3200" b="0" u="none" strike="noStrike" dirty="0">
+                        <a:rPr lang="es-CO" sz="3200" b="0" u="none" strike="noStrike">
                           <a:solidFill>
                             <a:schemeClr val="tx1"/>
                           </a:solidFill>
@@ -3958,7 +3953,7 @@
                         </a:rPr>
                         <a:t>Yublian Verbel</a:t>
                       </a:r>
-                      <a:endParaRPr lang="es-CO" sz="3200" b="0" i="0" u="none" strike="noStrike" dirty="0">
+                      <a:endParaRPr lang="es-CO" sz="3200" b="0" i="0" u="none" strike="noStrike">
                         <a:solidFill>
                           <a:schemeClr val="tx1"/>
                         </a:solidFill>
@@ -4310,7 +4305,7 @@
                     <a:p>
                       <a:pPr algn="ctr" fontAlgn="ctr"/>
                       <a:r>
-                        <a:rPr lang="es-CO" sz="3200" b="0" u="none" strike="noStrike" dirty="0">
+                        <a:rPr lang="es-CO" sz="3200" b="0" u="none" strike="noStrike">
                           <a:solidFill>
                             <a:schemeClr val="tx1"/>
                           </a:solidFill>
@@ -4318,7 +4313,7 @@
                         </a:rPr>
                         <a:t> Keyner Reyes</a:t>
                       </a:r>
-                      <a:endParaRPr lang="es-CO" sz="3200" b="0" i="0" u="none" strike="noStrike" dirty="0">
+                      <a:endParaRPr lang="es-CO" sz="3200" b="0" i="0" u="none" strike="noStrike">
                         <a:solidFill>
                           <a:schemeClr val="tx1"/>
                         </a:solidFill>
@@ -4362,7 +4357,7 @@
                     <a:p>
                       <a:pPr algn="ctr" fontAlgn="ctr"/>
                       <a:r>
-                        <a:rPr lang="es-CO" sz="3200" b="0" u="none" strike="noStrike" dirty="0">
+                        <a:rPr lang="es-CO" sz="3200" b="0" u="none" strike="noStrike">
                           <a:solidFill>
                             <a:schemeClr val="tx1"/>
                           </a:solidFill>
@@ -4370,7 +4365,7 @@
                         </a:rPr>
                         <a:t>6 Horas</a:t>
                       </a:r>
-                      <a:endParaRPr lang="es-CO" sz="3200" b="0" i="0" u="none" strike="noStrike" dirty="0">
+                      <a:endParaRPr lang="es-CO" sz="3200" b="0" i="0" u="none" strike="noStrike">
                         <a:solidFill>
                           <a:schemeClr val="tx1"/>
                         </a:solidFill>
@@ -5184,1298 +5179,6 @@
       </p:grpSpPr>
       <p:sp>
         <p:nvSpPr>
-          <p:cNvPr id="4" name="Título 1">
-            <a:extLst>
-              <a:ext uri="{FF2B5EF4-FFF2-40B4-BE49-F238E27FC236}">
-                <a16:creationId xmlns:a16="http://schemas.microsoft.com/office/drawing/2014/main" id="{8A005053-E470-0443-B920-D86C281FDA1C}"/>
-              </a:ext>
-            </a:extLst>
-          </p:cNvPr>
-          <p:cNvSpPr txBox="1">
-            <a:spLocks/>
-          </p:cNvSpPr>
-          <p:nvPr/>
-        </p:nvSpPr>
-        <p:spPr>
-          <a:xfrm>
-            <a:off x="8909050" y="1158875"/>
-            <a:ext cx="8382000" cy="957982"/>
-          </a:xfrm>
-          <a:prstGeom prst="rect">
-            <a:avLst/>
-          </a:prstGeom>
-        </p:spPr>
-        <p:txBody>
-          <a:bodyPr>
-            <a:noAutofit/>
-          </a:bodyPr>
-          <a:lstStyle>
-            <a:lvl1pPr>
-              <a:defRPr>
-                <a:latin typeface="+mj-lt"/>
-                <a:ea typeface="+mj-ea"/>
-                <a:cs typeface="+mj-cs"/>
-              </a:defRPr>
-            </a:lvl1pPr>
-          </a:lstStyle>
-          <a:p>
-            <a:r>
-              <a:rPr lang="es-ES" sz="4400" b="1" dirty="0">
-                <a:solidFill>
-                  <a:srgbClr val="002060"/>
-                </a:solidFill>
-                <a:latin typeface="Times New Roman" panose="02020603050405020304" pitchFamily="18" charset="0"/>
-                <a:cs typeface="Times New Roman" panose="02020603050405020304" pitchFamily="18" charset="0"/>
-              </a:rPr>
-              <a:t>Cálculo del consumo de energía</a:t>
-            </a:r>
-            <a:endParaRPr lang="es-CO" sz="4400" b="1" kern="0" dirty="0">
-              <a:solidFill>
-                <a:srgbClr val="002060"/>
-              </a:solidFill>
-              <a:latin typeface="Times New Roman" panose="02020603050405020304" pitchFamily="18" charset="0"/>
-              <a:ea typeface="Tahoma" panose="020B0604030504040204" pitchFamily="34" charset="0"/>
-              <a:cs typeface="Times New Roman" panose="02020603050405020304" pitchFamily="18" charset="0"/>
-            </a:endParaRPr>
-          </a:p>
-        </p:txBody>
-      </p:sp>
-      <p:sp>
-        <p:nvSpPr>
-          <p:cNvPr id="19" name="Rectangle 11"/>
-          <p:cNvSpPr txBox="1">
-            <a:spLocks noChangeArrowheads="1"/>
-          </p:cNvSpPr>
-          <p:nvPr/>
-        </p:nvSpPr>
-        <p:spPr bwMode="auto">
-          <a:xfrm flipH="1">
-            <a:off x="450850" y="2788365"/>
-            <a:ext cx="9914050" cy="646331"/>
-          </a:xfrm>
-          <a:prstGeom prst="rect">
-            <a:avLst/>
-          </a:prstGeom>
-          <a:solidFill>
-            <a:srgbClr val="FFFFFF"/>
-          </a:solidFill>
-          <a:ln>
-            <a:noFill/>
-          </a:ln>
-          <a:effectLst/>
-          <a:extLst>
-            <a:ext uri="{91240B29-F687-4F45-9708-019B960494DF}">
-              <a14:hiddenLine xmlns:a14="http://schemas.microsoft.com/office/drawing/2010/main" w="9525">
-                <a:solidFill>
-                  <a:schemeClr val="tx1"/>
-                </a:solidFill>
-                <a:miter lim="800000"/>
-                <a:headEnd/>
-                <a:tailEnd/>
-              </a14:hiddenLine>
-            </a:ext>
-            <a:ext uri="{AF507438-7753-43E0-B8FC-AC1667EBCBE1}">
-              <a14:hiddenEffects xmlns:a14="http://schemas.microsoft.com/office/drawing/2010/main">
-                <a:effectLst>
-                  <a:outerShdw dist="35921" dir="2700000" algn="ctr" rotWithShape="0">
-                    <a:schemeClr val="bg2"/>
-                  </a:outerShdw>
-                </a:effectLst>
-              </a14:hiddenEffects>
-            </a:ext>
-          </a:extLst>
-        </p:spPr>
-        <p:txBody>
-          <a:bodyPr vert="horz" wrap="square" lIns="91440" tIns="45720" rIns="91440" bIns="45720" numCol="1" anchor="ctr" anchorCtr="0" compatLnSpc="1">
-            <a:prstTxWarp prst="textNoShape">
-              <a:avLst/>
-            </a:prstTxWarp>
-            <a:spAutoFit/>
-          </a:bodyPr>
-          <a:lstStyle>
-            <a:lvl1pPr marL="0">
-              <a:defRPr>
-                <a:latin typeface="+mn-lt"/>
-                <a:ea typeface="+mn-ea"/>
-                <a:cs typeface="+mn-cs"/>
-              </a:defRPr>
-            </a:lvl1pPr>
-            <a:lvl2pPr marL="457200">
-              <a:defRPr>
-                <a:latin typeface="+mn-lt"/>
-                <a:ea typeface="+mn-ea"/>
-                <a:cs typeface="+mn-cs"/>
-              </a:defRPr>
-            </a:lvl2pPr>
-            <a:lvl3pPr marL="914400">
-              <a:defRPr>
-                <a:latin typeface="+mn-lt"/>
-                <a:ea typeface="+mn-ea"/>
-                <a:cs typeface="+mn-cs"/>
-              </a:defRPr>
-            </a:lvl3pPr>
-            <a:lvl4pPr marL="1371600">
-              <a:defRPr>
-                <a:latin typeface="+mn-lt"/>
-                <a:ea typeface="+mn-ea"/>
-                <a:cs typeface="+mn-cs"/>
-              </a:defRPr>
-            </a:lvl4pPr>
-            <a:lvl5pPr marL="1828800">
-              <a:defRPr>
-                <a:latin typeface="+mn-lt"/>
-                <a:ea typeface="+mn-ea"/>
-                <a:cs typeface="+mn-cs"/>
-              </a:defRPr>
-            </a:lvl5pPr>
-            <a:lvl6pPr marL="2286000">
-              <a:defRPr>
-                <a:latin typeface="+mn-lt"/>
-                <a:ea typeface="+mn-ea"/>
-                <a:cs typeface="+mn-cs"/>
-              </a:defRPr>
-            </a:lvl6pPr>
-            <a:lvl7pPr marL="2743200">
-              <a:defRPr>
-                <a:latin typeface="+mn-lt"/>
-                <a:ea typeface="+mn-ea"/>
-                <a:cs typeface="+mn-cs"/>
-              </a:defRPr>
-            </a:lvl7pPr>
-            <a:lvl8pPr marL="3200400">
-              <a:defRPr>
-                <a:latin typeface="+mn-lt"/>
-                <a:ea typeface="+mn-ea"/>
-                <a:cs typeface="+mn-cs"/>
-              </a:defRPr>
-            </a:lvl8pPr>
-            <a:lvl9pPr marL="3657600">
-              <a:defRPr>
-                <a:latin typeface="+mn-lt"/>
-                <a:ea typeface="+mn-ea"/>
-                <a:cs typeface="+mn-cs"/>
-              </a:defRPr>
-            </a:lvl9pPr>
-          </a:lstStyle>
-          <a:p>
-            <a:pPr algn="just" eaLnBrk="0" fontAlgn="base" hangingPunct="0">
-              <a:spcBef>
-                <a:spcPct val="0"/>
-              </a:spcBef>
-              <a:spcAft>
-                <a:spcPct val="0"/>
-              </a:spcAft>
-            </a:pPr>
-            <a:r>
-              <a:rPr lang="es-ES" sz="3600" kern="0" dirty="0">
-                <a:solidFill>
-                  <a:sysClr val="windowText" lastClr="000000"/>
-                </a:solidFill>
-                <a:latin typeface="Times New Roman" panose="02020603050405020304" pitchFamily="18" charset="0"/>
-                <a:cs typeface="Times New Roman" panose="02020603050405020304" pitchFamily="18" charset="0"/>
-              </a:rPr>
-              <a:t>3. Pasamos los kWh / mes a Pesos Colombianos:</a:t>
-            </a:r>
-          </a:p>
-        </p:txBody>
-      </p:sp>
-      <p:pic>
-        <p:nvPicPr>
-          <p:cNvPr id="2" name="Imagen 1">
-            <a:extLst>
-              <a:ext uri="{FF2B5EF4-FFF2-40B4-BE49-F238E27FC236}">
-                <a16:creationId xmlns:a16="http://schemas.microsoft.com/office/drawing/2014/main" id="{5782F60F-A334-FB8E-B4DC-8AF5AE936CC5}"/>
-              </a:ext>
-            </a:extLst>
-          </p:cNvPr>
-          <p:cNvPicPr>
-            <a:picLocks noChangeAspect="1"/>
-          </p:cNvPicPr>
-          <p:nvPr/>
-        </p:nvPicPr>
-        <p:blipFill>
-          <a:blip r:embed="rId3"/>
-          <a:stretch>
-            <a:fillRect/>
-          </a:stretch>
-        </p:blipFill>
-        <p:spPr>
-          <a:xfrm>
-            <a:off x="16300450" y="7002016"/>
-            <a:ext cx="3109057" cy="3109057"/>
-          </a:xfrm>
-          <a:prstGeom prst="rect">
-            <a:avLst/>
-          </a:prstGeom>
-        </p:spPr>
-      </p:pic>
-      <p:graphicFrame>
-        <p:nvGraphicFramePr>
-          <p:cNvPr id="7" name="Tabla 6">
-            <a:extLst>
-              <a:ext uri="{FF2B5EF4-FFF2-40B4-BE49-F238E27FC236}">
-                <a16:creationId xmlns:a16="http://schemas.microsoft.com/office/drawing/2014/main" id="{BEC08B88-2808-1BA2-37B3-7D48EF974E51}"/>
-              </a:ext>
-            </a:extLst>
-          </p:cNvPr>
-          <p:cNvGraphicFramePr>
-            <a:graphicFrameLocks noGrp="1"/>
-          </p:cNvGraphicFramePr>
-          <p:nvPr>
-            <p:extLst>
-              <p:ext uri="{D42A27DB-BD31-4B8C-83A1-F6EECF244321}">
-                <p14:modId xmlns:p14="http://schemas.microsoft.com/office/powerpoint/2010/main" val="4283684976"/>
-              </p:ext>
-            </p:extLst>
-          </p:nvPr>
-        </p:nvGraphicFramePr>
-        <p:xfrm>
-          <a:off x="1136650" y="3825875"/>
-          <a:ext cx="17678399" cy="2514600"/>
-        </p:xfrm>
-        <a:graphic>
-          <a:graphicData uri="http://schemas.openxmlformats.org/drawingml/2006/table">
-            <a:tbl>
-              <a:tblPr>
-                <a:tableStyleId>{BC89EF96-8CEA-46FF-86C4-4CE0E7609802}</a:tableStyleId>
-              </a:tblPr>
-              <a:tblGrid>
-                <a:gridCol w="4148531">
-                  <a:extLst>
-                    <a:ext uri="{9D8B030D-6E8A-4147-A177-3AD203B41FA5}">
-                      <a16:colId xmlns:a16="http://schemas.microsoft.com/office/drawing/2014/main" val="3794078901"/>
-                    </a:ext>
-                  </a:extLst>
-                </a:gridCol>
-                <a:gridCol w="7354214">
-                  <a:extLst>
-                    <a:ext uri="{9D8B030D-6E8A-4147-A177-3AD203B41FA5}">
-                      <a16:colId xmlns:a16="http://schemas.microsoft.com/office/drawing/2014/main" val="1901571952"/>
-                    </a:ext>
-                  </a:extLst>
-                </a:gridCol>
-                <a:gridCol w="2168550">
-                  <a:extLst>
-                    <a:ext uri="{9D8B030D-6E8A-4147-A177-3AD203B41FA5}">
-                      <a16:colId xmlns:a16="http://schemas.microsoft.com/office/drawing/2014/main" val="1918108724"/>
-                    </a:ext>
-                  </a:extLst>
-                </a:gridCol>
-                <a:gridCol w="4007104">
-                  <a:extLst>
-                    <a:ext uri="{9D8B030D-6E8A-4147-A177-3AD203B41FA5}">
-                      <a16:colId xmlns:a16="http://schemas.microsoft.com/office/drawing/2014/main" val="2383517605"/>
-                    </a:ext>
-                  </a:extLst>
-                </a:gridCol>
-              </a:tblGrid>
-              <a:tr h="628650">
-                <a:tc>
-                  <a:txBody>
-                    <a:bodyPr/>
-                    <a:lstStyle/>
-                    <a:p>
-                      <a:pPr algn="ctr" fontAlgn="ctr"/>
-                      <a:r>
-                        <a:rPr lang="es-CO" sz="3200" b="1" u="none" strike="noStrike" dirty="0">
-                          <a:solidFill>
-                            <a:srgbClr val="002060"/>
-                          </a:solidFill>
-                          <a:effectLst/>
-                          <a:latin typeface="Times New Roman" panose="02020603050405020304" pitchFamily="18" charset="0"/>
-                          <a:cs typeface="Times New Roman" panose="02020603050405020304" pitchFamily="18" charset="0"/>
-                        </a:rPr>
-                        <a:t>Consumo mensual</a:t>
-                      </a:r>
-                      <a:endParaRPr lang="es-CO" sz="3200" b="1" i="0" u="none" strike="noStrike" dirty="0">
-                        <a:solidFill>
-                          <a:srgbClr val="002060"/>
-                        </a:solidFill>
-                        <a:effectLst/>
-                        <a:latin typeface="Times New Roman" panose="02020603050405020304" pitchFamily="18" charset="0"/>
-                        <a:cs typeface="Times New Roman" panose="02020603050405020304" pitchFamily="18" charset="0"/>
-                      </a:endParaRPr>
-                    </a:p>
-                  </a:txBody>
-                  <a:tcPr marL="6350" marR="6350" marT="6350" marB="0" anchor="ctr"/>
-                </a:tc>
-                <a:tc>
-                  <a:txBody>
-                    <a:bodyPr/>
-                    <a:lstStyle/>
-                    <a:p>
-                      <a:pPr algn="ctr" fontAlgn="ctr"/>
-                      <a:r>
-                        <a:rPr lang="es-ES" sz="3200" b="1" u="none" strike="noStrike" dirty="0">
-                          <a:solidFill>
-                            <a:srgbClr val="002060"/>
-                          </a:solidFill>
-                          <a:effectLst/>
-                          <a:latin typeface="Times New Roman" panose="02020603050405020304" pitchFamily="18" charset="0"/>
-                          <a:cs typeface="Times New Roman" panose="02020603050405020304" pitchFamily="18" charset="0"/>
-                        </a:rPr>
-                        <a:t>Consumo mensual de los 4 meses</a:t>
-                      </a:r>
-                      <a:endParaRPr lang="es-ES" sz="3200" b="1" i="0" u="none" strike="noStrike" dirty="0">
-                        <a:solidFill>
-                          <a:srgbClr val="002060"/>
-                        </a:solidFill>
-                        <a:effectLst/>
-                        <a:latin typeface="Times New Roman" panose="02020603050405020304" pitchFamily="18" charset="0"/>
-                        <a:cs typeface="Times New Roman" panose="02020603050405020304" pitchFamily="18" charset="0"/>
-                      </a:endParaRPr>
-                    </a:p>
-                  </a:txBody>
-                  <a:tcPr marL="6350" marR="6350" marT="6350" marB="0" anchor="ctr"/>
-                </a:tc>
-                <a:tc>
-                  <a:txBody>
-                    <a:bodyPr/>
-                    <a:lstStyle/>
-                    <a:p>
-                      <a:pPr algn="ctr" fontAlgn="ctr"/>
-                      <a:r>
-                        <a:rPr lang="es-CO" sz="3200" b="1" u="none" strike="noStrike" dirty="0">
-                          <a:solidFill>
-                            <a:srgbClr val="002060"/>
-                          </a:solidFill>
-                          <a:effectLst/>
-                          <a:latin typeface="Times New Roman" panose="02020603050405020304" pitchFamily="18" charset="0"/>
-                          <a:cs typeface="Times New Roman" panose="02020603050405020304" pitchFamily="18" charset="0"/>
-                        </a:rPr>
-                        <a:t>Estrato</a:t>
-                      </a:r>
-                      <a:endParaRPr lang="es-CO" sz="3200" b="1" i="0" u="none" strike="noStrike" dirty="0">
-                        <a:solidFill>
-                          <a:srgbClr val="002060"/>
-                        </a:solidFill>
-                        <a:effectLst/>
-                        <a:latin typeface="Times New Roman" panose="02020603050405020304" pitchFamily="18" charset="0"/>
-                        <a:cs typeface="Times New Roman" panose="02020603050405020304" pitchFamily="18" charset="0"/>
-                      </a:endParaRPr>
-                    </a:p>
-                  </a:txBody>
-                  <a:tcPr marL="6350" marR="6350" marT="6350" marB="0" anchor="ctr"/>
-                </a:tc>
-                <a:tc>
-                  <a:txBody>
-                    <a:bodyPr/>
-                    <a:lstStyle/>
-                    <a:p>
-                      <a:pPr algn="ctr" fontAlgn="b"/>
-                      <a:r>
-                        <a:rPr lang="es-CO" sz="3200" b="1" u="none" strike="noStrike" dirty="0">
-                          <a:solidFill>
-                            <a:srgbClr val="002060"/>
-                          </a:solidFill>
-                          <a:effectLst/>
-                          <a:latin typeface="Times New Roman" panose="02020603050405020304" pitchFamily="18" charset="0"/>
-                          <a:cs typeface="Times New Roman" panose="02020603050405020304" pitchFamily="18" charset="0"/>
-                        </a:rPr>
-                        <a:t>Consumo por mes</a:t>
-                      </a:r>
-                      <a:endParaRPr lang="es-CO" sz="3200" b="1" i="0" u="none" strike="noStrike" dirty="0">
-                        <a:solidFill>
-                          <a:srgbClr val="002060"/>
-                        </a:solidFill>
-                        <a:effectLst/>
-                        <a:latin typeface="Times New Roman" panose="02020603050405020304" pitchFamily="18" charset="0"/>
-                        <a:cs typeface="Times New Roman" panose="02020603050405020304" pitchFamily="18" charset="0"/>
-                      </a:endParaRPr>
-                    </a:p>
-                  </a:txBody>
-                  <a:tcPr marL="6350" marR="6350" marT="6350" marB="0" anchor="b"/>
-                </a:tc>
-                <a:extLst>
-                  <a:ext uri="{0D108BD9-81ED-4DB2-BD59-A6C34878D82A}">
-                    <a16:rowId xmlns:a16="http://schemas.microsoft.com/office/drawing/2014/main" val="1194937770"/>
-                  </a:ext>
-                </a:extLst>
-              </a:tr>
-              <a:tr h="628650">
-                <a:tc>
-                  <a:txBody>
-                    <a:bodyPr/>
-                    <a:lstStyle/>
-                    <a:p>
-                      <a:pPr algn="ctr" fontAlgn="ctr"/>
-                      <a:r>
-                        <a:rPr lang="es-CO" sz="3200" u="none" strike="noStrike" dirty="0">
-                          <a:effectLst/>
-                          <a:latin typeface="Times New Roman" panose="02020603050405020304" pitchFamily="18" charset="0"/>
-                          <a:cs typeface="Times New Roman" panose="02020603050405020304" pitchFamily="18" charset="0"/>
-                        </a:rPr>
-                        <a:t>15.60 kWh / mes</a:t>
-                      </a:r>
-                      <a:endParaRPr lang="es-CO" sz="3200" b="0" i="0" u="none" strike="noStrike" dirty="0">
-                        <a:solidFill>
-                          <a:srgbClr val="000000"/>
-                        </a:solidFill>
-                        <a:effectLst/>
-                        <a:latin typeface="Times New Roman" panose="02020603050405020304" pitchFamily="18" charset="0"/>
-                        <a:cs typeface="Times New Roman" panose="02020603050405020304" pitchFamily="18" charset="0"/>
-                      </a:endParaRPr>
-                    </a:p>
-                  </a:txBody>
-                  <a:tcPr marL="6350" marR="6350" marT="6350" marB="0" anchor="ctr"/>
-                </a:tc>
-                <a:tc>
-                  <a:txBody>
-                    <a:bodyPr/>
-                    <a:lstStyle/>
-                    <a:p>
-                      <a:pPr algn="ctr" fontAlgn="ctr"/>
-                      <a:r>
-                        <a:rPr lang="es-CO" sz="3200" u="none" strike="noStrike" dirty="0">
-                          <a:effectLst/>
-                          <a:latin typeface="Times New Roman" panose="02020603050405020304" pitchFamily="18" charset="0"/>
-                          <a:cs typeface="Times New Roman" panose="02020603050405020304" pitchFamily="18" charset="0"/>
-                        </a:rPr>
-                        <a:t>62.40 kWh / mes</a:t>
-                      </a:r>
-                      <a:endParaRPr lang="es-CO" sz="3200" b="0" i="0" u="none" strike="noStrike" dirty="0">
-                        <a:solidFill>
-                          <a:srgbClr val="000000"/>
-                        </a:solidFill>
-                        <a:effectLst/>
-                        <a:latin typeface="Times New Roman" panose="02020603050405020304" pitchFamily="18" charset="0"/>
-                        <a:cs typeface="Times New Roman" panose="02020603050405020304" pitchFamily="18" charset="0"/>
-                      </a:endParaRPr>
-                    </a:p>
-                  </a:txBody>
-                  <a:tcPr marL="6350" marR="6350" marT="6350" marB="0" anchor="ctr"/>
-                </a:tc>
-                <a:tc>
-                  <a:txBody>
-                    <a:bodyPr/>
-                    <a:lstStyle/>
-                    <a:p>
-                      <a:pPr algn="ctr" fontAlgn="ctr"/>
-                      <a:r>
-                        <a:rPr lang="es-CO" sz="3200" u="none" strike="noStrike" dirty="0">
-                          <a:effectLst/>
-                          <a:latin typeface="Times New Roman" panose="02020603050405020304" pitchFamily="18" charset="0"/>
-                          <a:cs typeface="Times New Roman" panose="02020603050405020304" pitchFamily="18" charset="0"/>
-                        </a:rPr>
-                        <a:t>Estrato  3</a:t>
-                      </a:r>
-                      <a:endParaRPr lang="es-CO" sz="3200" b="0" i="0" u="none" strike="noStrike" dirty="0">
-                        <a:solidFill>
-                          <a:srgbClr val="000000"/>
-                        </a:solidFill>
-                        <a:effectLst/>
-                        <a:latin typeface="Times New Roman" panose="02020603050405020304" pitchFamily="18" charset="0"/>
-                        <a:cs typeface="Times New Roman" panose="02020603050405020304" pitchFamily="18" charset="0"/>
-                      </a:endParaRPr>
-                    </a:p>
-                  </a:txBody>
-                  <a:tcPr marL="6350" marR="6350" marT="6350" marB="0" anchor="ctr"/>
-                </a:tc>
-                <a:tc>
-                  <a:txBody>
-                    <a:bodyPr/>
-                    <a:lstStyle/>
-                    <a:p>
-                      <a:pPr algn="ctr" fontAlgn="b"/>
-                      <a:r>
-                        <a:rPr lang="es-CO" sz="3200" u="none" strike="noStrike" dirty="0">
-                          <a:effectLst/>
-                          <a:latin typeface="Times New Roman" panose="02020603050405020304" pitchFamily="18" charset="0"/>
-                          <a:cs typeface="Times New Roman" panose="02020603050405020304" pitchFamily="18" charset="0"/>
-                        </a:rPr>
-                        <a:t>$ 218275.20</a:t>
-                      </a:r>
-                      <a:endParaRPr lang="es-CO" sz="3200" b="0" i="0" u="none" strike="noStrike" dirty="0">
-                        <a:solidFill>
-                          <a:srgbClr val="000000"/>
-                        </a:solidFill>
-                        <a:effectLst/>
-                        <a:latin typeface="Times New Roman" panose="02020603050405020304" pitchFamily="18" charset="0"/>
-                        <a:cs typeface="Times New Roman" panose="02020603050405020304" pitchFamily="18" charset="0"/>
-                      </a:endParaRPr>
-                    </a:p>
-                  </a:txBody>
-                  <a:tcPr marL="6350" marR="6350" marT="6350" marB="0" anchor="b"/>
-                </a:tc>
-                <a:extLst>
-                  <a:ext uri="{0D108BD9-81ED-4DB2-BD59-A6C34878D82A}">
-                    <a16:rowId xmlns:a16="http://schemas.microsoft.com/office/drawing/2014/main" val="3265933314"/>
-                  </a:ext>
-                </a:extLst>
-              </a:tr>
-              <a:tr h="628650">
-                <a:tc>
-                  <a:txBody>
-                    <a:bodyPr/>
-                    <a:lstStyle/>
-                    <a:p>
-                      <a:pPr algn="ctr" fontAlgn="ctr"/>
-                      <a:r>
-                        <a:rPr lang="es-CO" sz="3200" u="none" strike="noStrike" dirty="0">
-                          <a:effectLst/>
-                          <a:latin typeface="Times New Roman" panose="02020603050405020304" pitchFamily="18" charset="0"/>
-                          <a:cs typeface="Times New Roman" panose="02020603050405020304" pitchFamily="18" charset="0"/>
-                        </a:rPr>
-                        <a:t>15.60 kWh / mes</a:t>
-                      </a:r>
-                      <a:endParaRPr lang="es-CO" sz="3200" b="0" i="0" u="none" strike="noStrike" dirty="0">
-                        <a:solidFill>
-                          <a:srgbClr val="000000"/>
-                        </a:solidFill>
-                        <a:effectLst/>
-                        <a:latin typeface="Times New Roman" panose="02020603050405020304" pitchFamily="18" charset="0"/>
-                        <a:cs typeface="Times New Roman" panose="02020603050405020304" pitchFamily="18" charset="0"/>
-                      </a:endParaRPr>
-                    </a:p>
-                  </a:txBody>
-                  <a:tcPr marL="6350" marR="6350" marT="6350" marB="0" anchor="ctr"/>
-                </a:tc>
-                <a:tc>
-                  <a:txBody>
-                    <a:bodyPr/>
-                    <a:lstStyle/>
-                    <a:p>
-                      <a:pPr algn="ctr" fontAlgn="ctr"/>
-                      <a:r>
-                        <a:rPr lang="es-CO" sz="3200" u="none" strike="noStrike" dirty="0">
-                          <a:effectLst/>
-                          <a:latin typeface="Times New Roman" panose="02020603050405020304" pitchFamily="18" charset="0"/>
-                          <a:cs typeface="Times New Roman" panose="02020603050405020304" pitchFamily="18" charset="0"/>
-                        </a:rPr>
-                        <a:t>62.40 kWh / mes</a:t>
-                      </a:r>
-                      <a:endParaRPr lang="es-CO" sz="3200" b="0" i="0" u="none" strike="noStrike" dirty="0">
-                        <a:solidFill>
-                          <a:srgbClr val="000000"/>
-                        </a:solidFill>
-                        <a:effectLst/>
-                        <a:latin typeface="Times New Roman" panose="02020603050405020304" pitchFamily="18" charset="0"/>
-                        <a:cs typeface="Times New Roman" panose="02020603050405020304" pitchFamily="18" charset="0"/>
-                      </a:endParaRPr>
-                    </a:p>
-                  </a:txBody>
-                  <a:tcPr marL="6350" marR="6350" marT="6350" marB="0" anchor="ctr"/>
-                </a:tc>
-                <a:tc>
-                  <a:txBody>
-                    <a:bodyPr/>
-                    <a:lstStyle/>
-                    <a:p>
-                      <a:pPr algn="ctr" fontAlgn="ctr"/>
-                      <a:r>
-                        <a:rPr lang="es-CO" sz="3200" u="none" strike="noStrike">
-                          <a:effectLst/>
-                          <a:latin typeface="Times New Roman" panose="02020603050405020304" pitchFamily="18" charset="0"/>
-                          <a:cs typeface="Times New Roman" panose="02020603050405020304" pitchFamily="18" charset="0"/>
-                        </a:rPr>
-                        <a:t>Estrato  2</a:t>
-                      </a:r>
-                      <a:endParaRPr lang="es-CO" sz="3200" b="0" i="0" u="none" strike="noStrike">
-                        <a:solidFill>
-                          <a:srgbClr val="000000"/>
-                        </a:solidFill>
-                        <a:effectLst/>
-                        <a:latin typeface="Times New Roman" panose="02020603050405020304" pitchFamily="18" charset="0"/>
-                        <a:cs typeface="Times New Roman" panose="02020603050405020304" pitchFamily="18" charset="0"/>
-                      </a:endParaRPr>
-                    </a:p>
-                  </a:txBody>
-                  <a:tcPr marL="6350" marR="6350" marT="6350" marB="0" anchor="ctr"/>
-                </a:tc>
-                <a:tc>
-                  <a:txBody>
-                    <a:bodyPr/>
-                    <a:lstStyle/>
-                    <a:p>
-                      <a:pPr algn="ctr" fontAlgn="b"/>
-                      <a:r>
-                        <a:rPr lang="es-CO" sz="3200" u="none" strike="noStrike" dirty="0">
-                          <a:effectLst/>
-                          <a:latin typeface="Times New Roman" panose="02020603050405020304" pitchFamily="18" charset="0"/>
-                          <a:cs typeface="Times New Roman" panose="02020603050405020304" pitchFamily="18" charset="0"/>
-                        </a:rPr>
-                        <a:t>$ 218275.20</a:t>
-                      </a:r>
-                      <a:endParaRPr lang="es-CO" sz="3200" b="0" i="0" u="none" strike="noStrike" dirty="0">
-                        <a:solidFill>
-                          <a:srgbClr val="000000"/>
-                        </a:solidFill>
-                        <a:effectLst/>
-                        <a:latin typeface="Times New Roman" panose="02020603050405020304" pitchFamily="18" charset="0"/>
-                        <a:cs typeface="Times New Roman" panose="02020603050405020304" pitchFamily="18" charset="0"/>
-                      </a:endParaRPr>
-                    </a:p>
-                  </a:txBody>
-                  <a:tcPr marL="6350" marR="6350" marT="6350" marB="0" anchor="b"/>
-                </a:tc>
-                <a:extLst>
-                  <a:ext uri="{0D108BD9-81ED-4DB2-BD59-A6C34878D82A}">
-                    <a16:rowId xmlns:a16="http://schemas.microsoft.com/office/drawing/2014/main" val="232407649"/>
-                  </a:ext>
-                </a:extLst>
-              </a:tr>
-              <a:tr h="628650">
-                <a:tc>
-                  <a:txBody>
-                    <a:bodyPr/>
-                    <a:lstStyle/>
-                    <a:p>
-                      <a:pPr algn="ctr" fontAlgn="ctr"/>
-                      <a:r>
-                        <a:rPr lang="es-CO" sz="3200" u="none" strike="noStrike" dirty="0">
-                          <a:effectLst/>
-                          <a:latin typeface="Times New Roman" panose="02020603050405020304" pitchFamily="18" charset="0"/>
-                          <a:cs typeface="Times New Roman" panose="02020603050405020304" pitchFamily="18" charset="0"/>
-                        </a:rPr>
-                        <a:t>8.10 kWh / mes</a:t>
-                      </a:r>
-                      <a:endParaRPr lang="es-CO" sz="3200" b="0" i="0" u="none" strike="noStrike" dirty="0">
-                        <a:solidFill>
-                          <a:srgbClr val="000000"/>
-                        </a:solidFill>
-                        <a:effectLst/>
-                        <a:latin typeface="Times New Roman" panose="02020603050405020304" pitchFamily="18" charset="0"/>
-                        <a:cs typeface="Times New Roman" panose="02020603050405020304" pitchFamily="18" charset="0"/>
-                      </a:endParaRPr>
-                    </a:p>
-                  </a:txBody>
-                  <a:tcPr marL="6350" marR="6350" marT="6350" marB="0" anchor="ctr"/>
-                </a:tc>
-                <a:tc>
-                  <a:txBody>
-                    <a:bodyPr/>
-                    <a:lstStyle/>
-                    <a:p>
-                      <a:pPr algn="ctr" fontAlgn="ctr"/>
-                      <a:r>
-                        <a:rPr lang="es-CO" sz="3200" u="none" strike="noStrike" dirty="0">
-                          <a:effectLst/>
-                          <a:latin typeface="Times New Roman" panose="02020603050405020304" pitchFamily="18" charset="0"/>
-                          <a:cs typeface="Times New Roman" panose="02020603050405020304" pitchFamily="18" charset="0"/>
-                        </a:rPr>
-                        <a:t>32.40 kWh / mes</a:t>
-                      </a:r>
-                      <a:endParaRPr lang="es-CO" sz="3200" b="0" i="0" u="none" strike="noStrike" dirty="0">
-                        <a:solidFill>
-                          <a:srgbClr val="000000"/>
-                        </a:solidFill>
-                        <a:effectLst/>
-                        <a:latin typeface="Times New Roman" panose="02020603050405020304" pitchFamily="18" charset="0"/>
-                        <a:cs typeface="Times New Roman" panose="02020603050405020304" pitchFamily="18" charset="0"/>
-                      </a:endParaRPr>
-                    </a:p>
-                  </a:txBody>
-                  <a:tcPr marL="6350" marR="6350" marT="6350" marB="0" anchor="ctr"/>
-                </a:tc>
-                <a:tc>
-                  <a:txBody>
-                    <a:bodyPr/>
-                    <a:lstStyle/>
-                    <a:p>
-                      <a:pPr algn="ctr" fontAlgn="ctr"/>
-                      <a:r>
-                        <a:rPr lang="es-CO" sz="3200" u="none" strike="noStrike" dirty="0">
-                          <a:effectLst/>
-                          <a:latin typeface="Times New Roman" panose="02020603050405020304" pitchFamily="18" charset="0"/>
-                          <a:cs typeface="Times New Roman" panose="02020603050405020304" pitchFamily="18" charset="0"/>
-                        </a:rPr>
-                        <a:t>Estrato  1</a:t>
-                      </a:r>
-                      <a:endParaRPr lang="es-CO" sz="3200" b="0" i="0" u="none" strike="noStrike" dirty="0">
-                        <a:solidFill>
-                          <a:srgbClr val="000000"/>
-                        </a:solidFill>
-                        <a:effectLst/>
-                        <a:latin typeface="Times New Roman" panose="02020603050405020304" pitchFamily="18" charset="0"/>
-                        <a:cs typeface="Times New Roman" panose="02020603050405020304" pitchFamily="18" charset="0"/>
-                      </a:endParaRPr>
-                    </a:p>
-                  </a:txBody>
-                  <a:tcPr marL="6350" marR="6350" marT="6350" marB="0" anchor="ctr"/>
-                </a:tc>
-                <a:tc>
-                  <a:txBody>
-                    <a:bodyPr/>
-                    <a:lstStyle/>
-                    <a:p>
-                      <a:pPr algn="ctr" fontAlgn="b"/>
-                      <a:r>
-                        <a:rPr lang="es-CO" sz="3200" u="none" strike="noStrike" dirty="0">
-                          <a:effectLst/>
-                          <a:latin typeface="Times New Roman" panose="02020603050405020304" pitchFamily="18" charset="0"/>
-                          <a:cs typeface="Times New Roman" panose="02020603050405020304" pitchFamily="18" charset="0"/>
-                        </a:rPr>
-                        <a:t>$ 113335.20</a:t>
-                      </a:r>
-                      <a:endParaRPr lang="es-CO" sz="3200" b="0" i="0" u="none" strike="noStrike" dirty="0">
-                        <a:solidFill>
-                          <a:srgbClr val="000000"/>
-                        </a:solidFill>
-                        <a:effectLst/>
-                        <a:latin typeface="Times New Roman" panose="02020603050405020304" pitchFamily="18" charset="0"/>
-                        <a:cs typeface="Times New Roman" panose="02020603050405020304" pitchFamily="18" charset="0"/>
-                      </a:endParaRPr>
-                    </a:p>
-                  </a:txBody>
-                  <a:tcPr marL="6350" marR="6350" marT="6350" marB="0" anchor="b"/>
-                </a:tc>
-                <a:extLst>
-                  <a:ext uri="{0D108BD9-81ED-4DB2-BD59-A6C34878D82A}">
-                    <a16:rowId xmlns:a16="http://schemas.microsoft.com/office/drawing/2014/main" val="1694522965"/>
-                  </a:ext>
-                </a:extLst>
-              </a:tr>
-            </a:tbl>
-          </a:graphicData>
-        </a:graphic>
-      </p:graphicFrame>
-      <p:graphicFrame>
-        <p:nvGraphicFramePr>
-          <p:cNvPr id="8" name="Tabla 7">
-            <a:extLst>
-              <a:ext uri="{FF2B5EF4-FFF2-40B4-BE49-F238E27FC236}">
-                <a16:creationId xmlns:a16="http://schemas.microsoft.com/office/drawing/2014/main" id="{3A7C5E7B-53E5-B2D0-F33B-1442D80829CE}"/>
-              </a:ext>
-            </a:extLst>
-          </p:cNvPr>
-          <p:cNvGraphicFramePr>
-            <a:graphicFrameLocks noGrp="1"/>
-          </p:cNvGraphicFramePr>
-          <p:nvPr>
-            <p:extLst>
-              <p:ext uri="{D42A27DB-BD31-4B8C-83A1-F6EECF244321}">
-                <p14:modId xmlns:p14="http://schemas.microsoft.com/office/powerpoint/2010/main" val="2304307784"/>
-              </p:ext>
-            </p:extLst>
-          </p:nvPr>
-        </p:nvGraphicFramePr>
-        <p:xfrm>
-          <a:off x="1136650" y="6873875"/>
-          <a:ext cx="14478000" cy="2945130"/>
-        </p:xfrm>
-        <a:graphic>
-          <a:graphicData uri="http://schemas.openxmlformats.org/drawingml/2006/table">
-            <a:tbl>
-              <a:tblPr>
-                <a:tableStyleId>{BC89EF96-8CEA-46FF-86C4-4CE0E7609802}</a:tableStyleId>
-              </a:tblPr>
-              <a:tblGrid>
-                <a:gridCol w="14478000">
-                  <a:extLst>
-                    <a:ext uri="{9D8B030D-6E8A-4147-A177-3AD203B41FA5}">
-                      <a16:colId xmlns:a16="http://schemas.microsoft.com/office/drawing/2014/main" val="729339689"/>
-                    </a:ext>
-                  </a:extLst>
-                </a:gridCol>
-              </a:tblGrid>
-              <a:tr h="787400">
-                <a:tc>
-                  <a:txBody>
-                    <a:bodyPr/>
-                    <a:lstStyle/>
-                    <a:p>
-                      <a:pPr algn="ctr" fontAlgn="b"/>
-                      <a:r>
-                        <a:rPr lang="es-ES" sz="3200" b="1" u="none" strike="noStrike" dirty="0">
-                          <a:solidFill>
-                            <a:srgbClr val="002060"/>
-                          </a:solidFill>
-                          <a:effectLst/>
-                          <a:latin typeface="Times New Roman" panose="02020603050405020304" pitchFamily="18" charset="0"/>
-                          <a:cs typeface="Times New Roman" panose="02020603050405020304" pitchFamily="18" charset="0"/>
-                        </a:rPr>
-                        <a:t>Estrato 1: </a:t>
-                      </a:r>
-                      <a:r>
-                        <a:rPr lang="es-ES" sz="3200" u="none" strike="noStrike" dirty="0">
-                          <a:effectLst/>
-                          <a:latin typeface="Times New Roman" panose="02020603050405020304" pitchFamily="18" charset="0"/>
-                          <a:cs typeface="Times New Roman" panose="02020603050405020304" pitchFamily="18" charset="0"/>
-                        </a:rPr>
-                        <a:t>El costo es de 349,8 pesos colombianos por kilovatio hora (kWh) para el consumo de subsistencia.</a:t>
-                      </a:r>
-                      <a:endParaRPr lang="es-ES" sz="3200" b="0" i="0" u="none" strike="noStrike" dirty="0">
-                        <a:solidFill>
-                          <a:srgbClr val="000000"/>
-                        </a:solidFill>
-                        <a:effectLst/>
-                        <a:latin typeface="Times New Roman" panose="02020603050405020304" pitchFamily="18" charset="0"/>
-                        <a:cs typeface="Times New Roman" panose="02020603050405020304" pitchFamily="18" charset="0"/>
-                      </a:endParaRPr>
-                    </a:p>
-                  </a:txBody>
-                  <a:tcPr marL="6350" marR="6350" marT="6350" marB="0" anchor="b"/>
-                </a:tc>
-                <a:extLst>
-                  <a:ext uri="{0D108BD9-81ED-4DB2-BD59-A6C34878D82A}">
-                    <a16:rowId xmlns:a16="http://schemas.microsoft.com/office/drawing/2014/main" val="3881777401"/>
-                  </a:ext>
-                </a:extLst>
-              </a:tr>
-              <a:tr h="787400">
-                <a:tc>
-                  <a:txBody>
-                    <a:bodyPr/>
-                    <a:lstStyle/>
-                    <a:p>
-                      <a:pPr algn="ctr" fontAlgn="b"/>
-                      <a:r>
-                        <a:rPr lang="es-ES" sz="3200" b="1" u="none" strike="noStrike" dirty="0">
-                          <a:solidFill>
-                            <a:srgbClr val="002060"/>
-                          </a:solidFill>
-                          <a:effectLst/>
-                          <a:latin typeface="Times New Roman" panose="02020603050405020304" pitchFamily="18" charset="0"/>
-                          <a:cs typeface="Times New Roman" panose="02020603050405020304" pitchFamily="18" charset="0"/>
-                        </a:rPr>
-                        <a:t>Estrato 2: </a:t>
-                      </a:r>
-                      <a:r>
-                        <a:rPr lang="es-ES" sz="3200" u="none" strike="noStrike" dirty="0">
-                          <a:effectLst/>
-                          <a:latin typeface="Times New Roman" panose="02020603050405020304" pitchFamily="18" charset="0"/>
-                          <a:cs typeface="Times New Roman" panose="02020603050405020304" pitchFamily="18" charset="0"/>
-                        </a:rPr>
-                        <a:t>El costo es de 867,8 pesos colombianos por kilovatio hora (kWh) para el consumo de subsistencia.</a:t>
-                      </a:r>
-                      <a:endParaRPr lang="es-ES" sz="3200" b="0" i="0" u="none" strike="noStrike" dirty="0">
-                        <a:solidFill>
-                          <a:srgbClr val="000000"/>
-                        </a:solidFill>
-                        <a:effectLst/>
-                        <a:latin typeface="Times New Roman" panose="02020603050405020304" pitchFamily="18" charset="0"/>
-                        <a:cs typeface="Times New Roman" panose="02020603050405020304" pitchFamily="18" charset="0"/>
-                      </a:endParaRPr>
-                    </a:p>
-                  </a:txBody>
-                  <a:tcPr marL="6350" marR="6350" marT="6350" marB="0" anchor="b"/>
-                </a:tc>
-                <a:extLst>
-                  <a:ext uri="{0D108BD9-81ED-4DB2-BD59-A6C34878D82A}">
-                    <a16:rowId xmlns:a16="http://schemas.microsoft.com/office/drawing/2014/main" val="3169033136"/>
-                  </a:ext>
-                </a:extLst>
-              </a:tr>
-              <a:tr h="787400">
-                <a:tc>
-                  <a:txBody>
-                    <a:bodyPr/>
-                    <a:lstStyle/>
-                    <a:p>
-                      <a:pPr algn="ctr" fontAlgn="b"/>
-                      <a:r>
-                        <a:rPr lang="es-ES" sz="3200" b="1" u="none" strike="noStrike" dirty="0">
-                          <a:solidFill>
-                            <a:srgbClr val="002060"/>
-                          </a:solidFill>
-                          <a:effectLst/>
-                          <a:latin typeface="Times New Roman" panose="02020603050405020304" pitchFamily="18" charset="0"/>
-                          <a:cs typeface="Times New Roman" panose="02020603050405020304" pitchFamily="18" charset="0"/>
-                        </a:rPr>
-                        <a:t>Estrato 3: </a:t>
-                      </a:r>
-                      <a:r>
-                        <a:rPr lang="es-ES" sz="3200" u="none" strike="noStrike" dirty="0">
-                          <a:effectLst/>
-                          <a:latin typeface="Times New Roman" panose="02020603050405020304" pitchFamily="18" charset="0"/>
-                          <a:cs typeface="Times New Roman" panose="02020603050405020304" pitchFamily="18" charset="0"/>
-                        </a:rPr>
-                        <a:t>El costo es de 737,6 pesos colombianos por kilovatio hora (kWh) para el consumo de subsistencia.</a:t>
-                      </a:r>
-                      <a:endParaRPr lang="es-ES" sz="3200" b="0" i="0" u="none" strike="noStrike" dirty="0">
-                        <a:solidFill>
-                          <a:srgbClr val="000000"/>
-                        </a:solidFill>
-                        <a:effectLst/>
-                        <a:latin typeface="Times New Roman" panose="02020603050405020304" pitchFamily="18" charset="0"/>
-                        <a:cs typeface="Times New Roman" panose="02020603050405020304" pitchFamily="18" charset="0"/>
-                      </a:endParaRPr>
-                    </a:p>
-                  </a:txBody>
-                  <a:tcPr marL="6350" marR="6350" marT="6350" marB="0" anchor="b"/>
-                </a:tc>
-                <a:extLst>
-                  <a:ext uri="{0D108BD9-81ED-4DB2-BD59-A6C34878D82A}">
-                    <a16:rowId xmlns:a16="http://schemas.microsoft.com/office/drawing/2014/main" val="3053915571"/>
-                  </a:ext>
-                </a:extLst>
-              </a:tr>
-            </a:tbl>
-          </a:graphicData>
-        </a:graphic>
-      </p:graphicFrame>
-    </p:spTree>
-    <p:extLst>
-      <p:ext uri="{BB962C8B-B14F-4D97-AF65-F5344CB8AC3E}">
-        <p14:creationId xmlns:p14="http://schemas.microsoft.com/office/powerpoint/2010/main" val="1877321667"/>
-      </p:ext>
-    </p:extLst>
-  </p:cSld>
-  <p:clrMapOvr>
-    <a:masterClrMapping/>
-  </p:clrMapOvr>
-  <p:timing>
-    <p:tnLst>
-      <p:par>
-        <p:cTn id="1" dur="indefinite" restart="never" nodeType="tmRoot">
-          <p:childTnLst>
-            <p:seq concurrent="1" nextAc="seek">
-              <p:cTn id="2" dur="indefinite" nodeType="mainSeq">
-                <p:childTnLst>
-                  <p:par>
-                    <p:cTn id="3" fill="hold">
-                      <p:stCondLst>
-                        <p:cond delay="indefinite"/>
-                      </p:stCondLst>
-                      <p:childTnLst>
-                        <p:par>
-                          <p:cTn id="4" fill="hold">
-                            <p:stCondLst>
-                              <p:cond delay="0"/>
-                            </p:stCondLst>
-                            <p:childTnLst>
-                              <p:par>
-                                <p:cTn id="5" presetID="26" presetClass="entr" presetSubtype="0" fill="hold" nodeType="clickEffect">
-                                  <p:stCondLst>
-                                    <p:cond delay="0"/>
-                                  </p:stCondLst>
-                                  <p:childTnLst>
-                                    <p:set>
-                                      <p:cBhvr>
-                                        <p:cTn id="6" dur="1" fill="hold">
-                                          <p:stCondLst>
-                                            <p:cond delay="0"/>
-                                          </p:stCondLst>
-                                        </p:cTn>
-                                        <p:tgtEl>
-                                          <p:spTgt spid="2"/>
-                                        </p:tgtEl>
-                                        <p:attrNameLst>
-                                          <p:attrName>style.visibility</p:attrName>
-                                        </p:attrNameLst>
-                                      </p:cBhvr>
-                                      <p:to>
-                                        <p:strVal val="visible"/>
-                                      </p:to>
-                                    </p:set>
-                                    <p:animEffect transition="in" filter="wipe(down)">
-                                      <p:cBhvr>
-                                        <p:cTn id="7" dur="580">
-                                          <p:stCondLst>
-                                            <p:cond delay="0"/>
-                                          </p:stCondLst>
-                                        </p:cTn>
-                                        <p:tgtEl>
-                                          <p:spTgt spid="2"/>
-                                        </p:tgtEl>
-                                      </p:cBhvr>
-                                    </p:animEffect>
-                                    <p:anim calcmode="lin" valueType="num">
-                                      <p:cBhvr>
-                                        <p:cTn id="8" dur="1822" tmFilter="0,0; 0.14,0.36; 0.43,0.73; 0.71,0.91; 1.0,1.0">
-                                          <p:stCondLst>
-                                            <p:cond delay="0"/>
-                                          </p:stCondLst>
-                                        </p:cTn>
-                                        <p:tgtEl>
-                                          <p:spTgt spid="2"/>
-                                        </p:tgtEl>
-                                        <p:attrNameLst>
-                                          <p:attrName>ppt_x</p:attrName>
-                                        </p:attrNameLst>
-                                      </p:cBhvr>
-                                      <p:tavLst>
-                                        <p:tav tm="0">
-                                          <p:val>
-                                            <p:strVal val="#ppt_x-0.25"/>
-                                          </p:val>
-                                        </p:tav>
-                                        <p:tav tm="100000">
-                                          <p:val>
-                                            <p:strVal val="#ppt_x"/>
-                                          </p:val>
-                                        </p:tav>
-                                      </p:tavLst>
-                                    </p:anim>
-                                    <p:anim calcmode="lin" valueType="num">
-                                      <p:cBhvr>
-                                        <p:cTn id="9" dur="664" tmFilter="0.0,0.0; 0.25,0.07; 0.50,0.2; 0.75,0.467; 1.0,1.0">
-                                          <p:stCondLst>
-                                            <p:cond delay="0"/>
-                                          </p:stCondLst>
-                                        </p:cTn>
-                                        <p:tgtEl>
-                                          <p:spTgt spid="2"/>
-                                        </p:tgtEl>
-                                        <p:attrNameLst>
-                                          <p:attrName>ppt_y</p:attrName>
-                                        </p:attrNameLst>
-                                      </p:cBhvr>
-                                      <p:tavLst>
-                                        <p:tav tm="0" fmla="#ppt_y-sin(pi*$)/3">
-                                          <p:val>
-                                            <p:fltVal val="0.5"/>
-                                          </p:val>
-                                        </p:tav>
-                                        <p:tav tm="100000">
-                                          <p:val>
-                                            <p:fltVal val="1"/>
-                                          </p:val>
-                                        </p:tav>
-                                      </p:tavLst>
-                                    </p:anim>
-                                    <p:anim calcmode="lin" valueType="num">
-                                      <p:cBhvr>
-                                        <p:cTn id="10" dur="664" tmFilter="0, 0; 0.125,0.2665; 0.25,0.4; 0.375,0.465; 0.5,0.5;  0.625,0.535; 0.75,0.6; 0.875,0.7335; 1,1">
-                                          <p:stCondLst>
-                                            <p:cond delay="664"/>
-                                          </p:stCondLst>
-                                        </p:cTn>
-                                        <p:tgtEl>
-                                          <p:spTgt spid="2"/>
-                                        </p:tgtEl>
-                                        <p:attrNameLst>
-                                          <p:attrName>ppt_y</p:attrName>
-                                        </p:attrNameLst>
-                                      </p:cBhvr>
-                                      <p:tavLst>
-                                        <p:tav tm="0" fmla="#ppt_y-sin(pi*$)/9">
-                                          <p:val>
-                                            <p:fltVal val="0"/>
-                                          </p:val>
-                                        </p:tav>
-                                        <p:tav tm="100000">
-                                          <p:val>
-                                            <p:fltVal val="1"/>
-                                          </p:val>
-                                        </p:tav>
-                                      </p:tavLst>
-                                    </p:anim>
-                                    <p:anim calcmode="lin" valueType="num">
-                                      <p:cBhvr>
-                                        <p:cTn id="11" dur="332" tmFilter="0, 0; 0.125,0.2665; 0.25,0.4; 0.375,0.465; 0.5,0.5;  0.625,0.535; 0.75,0.6; 0.875,0.7335; 1,1">
-                                          <p:stCondLst>
-                                            <p:cond delay="1324"/>
-                                          </p:stCondLst>
-                                        </p:cTn>
-                                        <p:tgtEl>
-                                          <p:spTgt spid="2"/>
-                                        </p:tgtEl>
-                                        <p:attrNameLst>
-                                          <p:attrName>ppt_y</p:attrName>
-                                        </p:attrNameLst>
-                                      </p:cBhvr>
-                                      <p:tavLst>
-                                        <p:tav tm="0" fmla="#ppt_y-sin(pi*$)/27">
-                                          <p:val>
-                                            <p:fltVal val="0"/>
-                                          </p:val>
-                                        </p:tav>
-                                        <p:tav tm="100000">
-                                          <p:val>
-                                            <p:fltVal val="1"/>
-                                          </p:val>
-                                        </p:tav>
-                                      </p:tavLst>
-                                    </p:anim>
-                                    <p:anim calcmode="lin" valueType="num">
-                                      <p:cBhvr>
-                                        <p:cTn id="12" dur="164" tmFilter="0, 0; 0.125,0.2665; 0.25,0.4; 0.375,0.465; 0.5,0.5;  0.625,0.535; 0.75,0.6; 0.875,0.7335; 1,1">
-                                          <p:stCondLst>
-                                            <p:cond delay="1656"/>
-                                          </p:stCondLst>
-                                        </p:cTn>
-                                        <p:tgtEl>
-                                          <p:spTgt spid="2"/>
-                                        </p:tgtEl>
-                                        <p:attrNameLst>
-                                          <p:attrName>ppt_y</p:attrName>
-                                        </p:attrNameLst>
-                                      </p:cBhvr>
-                                      <p:tavLst>
-                                        <p:tav tm="0" fmla="#ppt_y-sin(pi*$)/81">
-                                          <p:val>
-                                            <p:fltVal val="0"/>
-                                          </p:val>
-                                        </p:tav>
-                                        <p:tav tm="100000">
-                                          <p:val>
-                                            <p:fltVal val="1"/>
-                                          </p:val>
-                                        </p:tav>
-                                      </p:tavLst>
-                                    </p:anim>
-                                    <p:animScale>
-                                      <p:cBhvr>
-                                        <p:cTn id="13" dur="26">
-                                          <p:stCondLst>
-                                            <p:cond delay="650"/>
-                                          </p:stCondLst>
-                                        </p:cTn>
-                                        <p:tgtEl>
-                                          <p:spTgt spid="2"/>
-                                        </p:tgtEl>
-                                      </p:cBhvr>
-                                      <p:to x="100000" y="60000"/>
-                                    </p:animScale>
-                                    <p:animScale>
-                                      <p:cBhvr>
-                                        <p:cTn id="14" dur="166" decel="50000">
-                                          <p:stCondLst>
-                                            <p:cond delay="676"/>
-                                          </p:stCondLst>
-                                        </p:cTn>
-                                        <p:tgtEl>
-                                          <p:spTgt spid="2"/>
-                                        </p:tgtEl>
-                                      </p:cBhvr>
-                                      <p:to x="100000" y="100000"/>
-                                    </p:animScale>
-                                    <p:animScale>
-                                      <p:cBhvr>
-                                        <p:cTn id="15" dur="26">
-                                          <p:stCondLst>
-                                            <p:cond delay="1312"/>
-                                          </p:stCondLst>
-                                        </p:cTn>
-                                        <p:tgtEl>
-                                          <p:spTgt spid="2"/>
-                                        </p:tgtEl>
-                                      </p:cBhvr>
-                                      <p:to x="100000" y="80000"/>
-                                    </p:animScale>
-                                    <p:animScale>
-                                      <p:cBhvr>
-                                        <p:cTn id="16" dur="166" decel="50000">
-                                          <p:stCondLst>
-                                            <p:cond delay="1338"/>
-                                          </p:stCondLst>
-                                        </p:cTn>
-                                        <p:tgtEl>
-                                          <p:spTgt spid="2"/>
-                                        </p:tgtEl>
-                                      </p:cBhvr>
-                                      <p:to x="100000" y="100000"/>
-                                    </p:animScale>
-                                    <p:animScale>
-                                      <p:cBhvr>
-                                        <p:cTn id="17" dur="26">
-                                          <p:stCondLst>
-                                            <p:cond delay="1642"/>
-                                          </p:stCondLst>
-                                        </p:cTn>
-                                        <p:tgtEl>
-                                          <p:spTgt spid="2"/>
-                                        </p:tgtEl>
-                                      </p:cBhvr>
-                                      <p:to x="100000" y="90000"/>
-                                    </p:animScale>
-                                    <p:animScale>
-                                      <p:cBhvr>
-                                        <p:cTn id="18" dur="166" decel="50000">
-                                          <p:stCondLst>
-                                            <p:cond delay="1668"/>
-                                          </p:stCondLst>
-                                        </p:cTn>
-                                        <p:tgtEl>
-                                          <p:spTgt spid="2"/>
-                                        </p:tgtEl>
-                                      </p:cBhvr>
-                                      <p:to x="100000" y="100000"/>
-                                    </p:animScale>
-                                    <p:animScale>
-                                      <p:cBhvr>
-                                        <p:cTn id="19" dur="26">
-                                          <p:stCondLst>
-                                            <p:cond delay="1808"/>
-                                          </p:stCondLst>
-                                        </p:cTn>
-                                        <p:tgtEl>
-                                          <p:spTgt spid="2"/>
-                                        </p:tgtEl>
-                                      </p:cBhvr>
-                                      <p:to x="100000" y="95000"/>
-                                    </p:animScale>
-                                    <p:animScale>
-                                      <p:cBhvr>
-                                        <p:cTn id="20" dur="166" decel="50000">
-                                          <p:stCondLst>
-                                            <p:cond delay="1834"/>
-                                          </p:stCondLst>
-                                        </p:cTn>
-                                        <p:tgtEl>
-                                          <p:spTgt spid="2"/>
-                                        </p:tgtEl>
-                                      </p:cBhvr>
-                                      <p:to x="100000" y="100000"/>
-                                    </p:animScale>
-                                  </p:childTnLst>
-                                </p:cTn>
-                              </p:par>
-                            </p:childTnLst>
-                          </p:cTn>
-                        </p:par>
-                      </p:childTnLst>
-                    </p:cTn>
-                  </p:par>
-                </p:childTnLst>
-              </p:cTn>
-              <p:prevCondLst>
-                <p:cond evt="onPrev" delay="0">
-                  <p:tgtEl>
-                    <p:sldTgt/>
-                  </p:tgtEl>
-                </p:cond>
-              </p:prevCondLst>
-              <p:nextCondLst>
-                <p:cond evt="onNext" delay="0">
-                  <p:tgtEl>
-                    <p:sldTgt/>
-                  </p:tgtEl>
-                </p:cond>
-              </p:nextCondLst>
-            </p:seq>
-          </p:childTnLst>
-        </p:cTn>
-      </p:par>
-    </p:tnLst>
-  </p:timing>
-</p:sld>
-</file>
-
-<file path=ppt/slides/slide13.xml><?xml version="1.0" encoding="utf-8"?>
-<p:sld xmlns:a="http://schemas.openxmlformats.org/drawingml/2006/main" xmlns:r="http://schemas.openxmlformats.org/officeDocument/2006/relationships" xmlns:p="http://schemas.openxmlformats.org/presentationml/2006/main">
-  <p:cSld>
-    <p:bg>
-      <p:bgPr>
-        <a:blipFill dpi="0" rotWithShape="1">
-          <a:blip r:embed="rId2">
-            <a:lum/>
-          </a:blip>
-          <a:srcRect/>
-          <a:stretch>
-            <a:fillRect/>
-          </a:stretch>
-        </a:blipFill>
-        <a:effectLst/>
-      </p:bgPr>
-    </p:bg>
-    <p:spTree>
-      <p:nvGrpSpPr>
-        <p:cNvPr id="1" name=""/>
-        <p:cNvGrpSpPr/>
-        <p:nvPr/>
-      </p:nvGrpSpPr>
-      <p:grpSpPr>
-        <a:xfrm>
-          <a:off x="0" y="0"/>
-          <a:ext cx="0" cy="0"/>
-          <a:chOff x="0" y="0"/>
-          <a:chExt cx="0" cy="0"/>
-        </a:xfrm>
-      </p:grpSpPr>
-      <p:sp>
-        <p:nvSpPr>
           <p:cNvPr id="8" name="Título 1">
             <a:extLst>
               <a:ext uri="{FF2B5EF4-FFF2-40B4-BE49-F238E27FC236}">
@@ -6739,7 +5442,7 @@
 </p:sld>
 </file>
 
-<file path=ppt/slides/slide14.xml><?xml version="1.0" encoding="utf-8"?>
+<file path=ppt/slides/slide13.xml><?xml version="1.0" encoding="utf-8"?>
 <p:sld xmlns:a="http://schemas.openxmlformats.org/drawingml/2006/main" xmlns:r="http://schemas.openxmlformats.org/officeDocument/2006/relationships" xmlns:p="http://schemas.openxmlformats.org/presentationml/2006/main">
   <p:cSld>
     <p:bg>
@@ -6893,8 +5596,8 @@
         </p:nvSpPr>
         <p:spPr>
           <a:xfrm>
-            <a:off x="984250" y="2835275"/>
-            <a:ext cx="18135600" cy="3124200"/>
+            <a:off x="0" y="2835275"/>
+            <a:ext cx="19272250" cy="3124200"/>
           </a:xfrm>
           <a:prstGeom prst="rect">
             <a:avLst/>
@@ -6983,7 +5686,7 @@
                 <a:latin typeface="Times New Roman" panose="02020603050405020304" pitchFamily="18" charset="0"/>
                 <a:cs typeface="Times New Roman" panose="02020603050405020304" pitchFamily="18" charset="0"/>
               </a:rPr>
-              <a:t>D.S.B, un sistema para combatir la hipertensión y diabetes, ofrece un sistema personalizado de seguimiento de actividad física. Su objetivo es mejorar el control de la salud, prevenir enfermedades y aumentar la calidad de vida de personas con enfermedades crónicas y malos hábitos alimenticios.</a:t>
+              <a:t>D.S.B, un sistema para combatir la hipertensión y diabetes, ofrece un sistema personalizado de seguimiento de actividad física, dieta, historial médico y tratamiento. Su objetivo es mejorar el control de la salud, prevenir enfermedades y aumentar la calidad de vida de personas con enfermedades crónicas y malos hábitos alimenticios.</a:t>
             </a:r>
             <a:endParaRPr lang="es-CO" sz="4000" kern="0" dirty="0">
               <a:solidFill>
@@ -7011,8 +5714,8 @@
         </p:nvSpPr>
         <p:spPr>
           <a:xfrm>
-            <a:off x="7766050" y="1748155"/>
-            <a:ext cx="7059498" cy="858519"/>
+            <a:off x="7766050" y="1539875"/>
+            <a:ext cx="7059498" cy="648546"/>
           </a:xfrm>
           <a:prstGeom prst="rect">
             <a:avLst/>
@@ -8416,8 +7119,8 @@
         </p:nvSpPr>
         <p:spPr bwMode="auto">
           <a:xfrm flipH="1">
-            <a:off x="1289050" y="2682875"/>
-            <a:ext cx="17526000" cy="6186309"/>
+            <a:off x="222250" y="2606675"/>
+            <a:ext cx="17526000" cy="6740307"/>
           </a:xfrm>
           <a:prstGeom prst="rect">
             <a:avLst/>
@@ -8535,7 +7238,7 @@
               <a:buChar char="•"/>
             </a:pPr>
             <a:r>
-              <a:rPr lang="es-ES" sz="3600" kern="0" dirty="0">
+              <a:rPr lang="es-ES" sz="3600" kern="0">
                 <a:solidFill>
                   <a:sysClr val="windowText" lastClr="000000"/>
                 </a:solidFill>
@@ -8554,24 +7257,7 @@
                 <a:spcPct val="0"/>
               </a:spcAft>
             </a:pPr>
-            <a:endParaRPr lang="es-ES" sz="3600" kern="0" dirty="0">
-              <a:solidFill>
-                <a:sysClr val="windowText" lastClr="000000"/>
-              </a:solidFill>
-              <a:latin typeface="Times New Roman" panose="02020603050405020304" pitchFamily="18" charset="0"/>
-              <a:cs typeface="Times New Roman" panose="02020603050405020304" pitchFamily="18" charset="0"/>
-            </a:endParaRPr>
-          </a:p>
-          <a:p>
-            <a:pPr algn="just" eaLnBrk="0" fontAlgn="base" hangingPunct="0">
-              <a:spcBef>
-                <a:spcPct val="0"/>
-              </a:spcBef>
-              <a:spcAft>
-                <a:spcPct val="0"/>
-              </a:spcAft>
-            </a:pPr>
-            <a:endParaRPr lang="es-ES" sz="3600" kern="0" dirty="0">
+            <a:endParaRPr lang="es-ES" sz="3600" kern="0">
               <a:solidFill>
                 <a:sysClr val="windowText" lastClr="000000"/>
               </a:solidFill>
@@ -8591,7 +7277,7 @@
               <a:buChar char="•"/>
             </a:pPr>
             <a:r>
-              <a:rPr lang="es-ES" sz="3600" kern="0" dirty="0">
+              <a:rPr lang="es-ES" sz="3600" kern="0">
                 <a:solidFill>
                   <a:sysClr val="windowText" lastClr="000000"/>
                 </a:solidFill>
@@ -8612,26 +7298,7 @@
               <a:buFont typeface="Arial" panose="020B0604020202020204" pitchFamily="34" charset="0"/>
               <a:buChar char="•"/>
             </a:pPr>
-            <a:endParaRPr lang="es-ES" sz="3600" kern="0" dirty="0">
-              <a:solidFill>
-                <a:sysClr val="windowText" lastClr="000000"/>
-              </a:solidFill>
-              <a:latin typeface="Times New Roman" panose="02020603050405020304" pitchFamily="18" charset="0"/>
-              <a:cs typeface="Times New Roman" panose="02020603050405020304" pitchFamily="18" charset="0"/>
-            </a:endParaRPr>
-          </a:p>
-          <a:p>
-            <a:pPr marL="342900" indent="-342900" algn="just" eaLnBrk="0" fontAlgn="base" hangingPunct="0">
-              <a:spcBef>
-                <a:spcPct val="0"/>
-              </a:spcBef>
-              <a:spcAft>
-                <a:spcPct val="0"/>
-              </a:spcAft>
-              <a:buFont typeface="Arial" panose="020B0604020202020204" pitchFamily="34" charset="0"/>
-              <a:buChar char="•"/>
-            </a:pPr>
-            <a:endParaRPr lang="es-ES" sz="3600" kern="0" dirty="0">
+            <a:endParaRPr lang="es-ES" sz="3600" kern="0">
               <a:solidFill>
                 <a:sysClr val="windowText" lastClr="000000"/>
               </a:solidFill>
@@ -8651,14 +7318,14 @@
               <a:buChar char="•"/>
             </a:pPr>
             <a:r>
-              <a:rPr lang="es-ES" sz="3600" kern="0" dirty="0">
+              <a:rPr lang="es-ES" sz="3600" kern="0">
                 <a:solidFill>
                   <a:sysClr val="windowText" lastClr="000000"/>
                 </a:solidFill>
                 <a:latin typeface="Times New Roman" panose="02020603050405020304" pitchFamily="18" charset="0"/>
                 <a:cs typeface="Times New Roman" panose="02020603050405020304" pitchFamily="18" charset="0"/>
               </a:rPr>
-              <a:t>Incorporar elementos de gamificación para motivar los hábitos saludables.</a:t>
+              <a:t>Facilitar el acceso y manejo del historial médico de los usuarios.</a:t>
             </a:r>
           </a:p>
           <a:p>
@@ -8672,26 +7339,7 @@
               <a:buFont typeface="Arial" panose="020B0604020202020204" pitchFamily="34" charset="0"/>
               <a:buChar char="•"/>
             </a:pPr>
-            <a:endParaRPr lang="es-ES" sz="3600" kern="0" dirty="0">
-              <a:solidFill>
-                <a:sysClr val="windowText" lastClr="000000"/>
-              </a:solidFill>
-              <a:latin typeface="Times New Roman" panose="02020603050405020304" pitchFamily="18" charset="0"/>
-              <a:cs typeface="Times New Roman" panose="02020603050405020304" pitchFamily="18" charset="0"/>
-            </a:endParaRPr>
-          </a:p>
-          <a:p>
-            <a:pPr marL="342900" indent="-342900" algn="just" eaLnBrk="0" fontAlgn="base" hangingPunct="0">
-              <a:spcBef>
-                <a:spcPct val="0"/>
-              </a:spcBef>
-              <a:spcAft>
-                <a:spcPct val="0"/>
-              </a:spcAft>
-              <a:buFont typeface="Arial" panose="020B0604020202020204" pitchFamily="34" charset="0"/>
-              <a:buChar char="•"/>
-            </a:pPr>
-            <a:endParaRPr lang="es-ES" sz="3600" kern="0" dirty="0">
+            <a:endParaRPr lang="es-ES" sz="3600" kern="0">
               <a:solidFill>
                 <a:sysClr val="windowText" lastClr="000000"/>
               </a:solidFill>
@@ -8711,7 +7359,89 @@
               <a:buChar char="•"/>
             </a:pPr>
             <a:r>
-              <a:rPr lang="es-ES" sz="3600" kern="0" dirty="0">
+              <a:rPr lang="es-ES" sz="3600" kern="0">
+                <a:solidFill>
+                  <a:sysClr val="windowText" lastClr="000000"/>
+                </a:solidFill>
+                <a:latin typeface="Times New Roman" panose="02020603050405020304" pitchFamily="18" charset="0"/>
+                <a:cs typeface="Times New Roman" panose="02020603050405020304" pitchFamily="18" charset="0"/>
+              </a:rPr>
+              <a:t>Incorporar elementos de gamificación para motivar la adopción de hábitos saludables.</a:t>
+            </a:r>
+          </a:p>
+          <a:p>
+            <a:pPr marL="342900" indent="-342900" algn="just" eaLnBrk="0" fontAlgn="base" hangingPunct="0">
+              <a:spcBef>
+                <a:spcPct val="0"/>
+              </a:spcBef>
+              <a:spcAft>
+                <a:spcPct val="0"/>
+              </a:spcAft>
+              <a:buFont typeface="Arial" panose="020B0604020202020204" pitchFamily="34" charset="0"/>
+              <a:buChar char="•"/>
+            </a:pPr>
+            <a:endParaRPr lang="es-ES" sz="3600" kern="0">
+              <a:solidFill>
+                <a:sysClr val="windowText" lastClr="000000"/>
+              </a:solidFill>
+              <a:latin typeface="Times New Roman" panose="02020603050405020304" pitchFamily="18" charset="0"/>
+              <a:cs typeface="Times New Roman" panose="02020603050405020304" pitchFamily="18" charset="0"/>
+            </a:endParaRPr>
+          </a:p>
+          <a:p>
+            <a:pPr marL="342900" indent="-342900" algn="just" eaLnBrk="0" fontAlgn="base" hangingPunct="0">
+              <a:spcBef>
+                <a:spcPct val="0"/>
+              </a:spcBef>
+              <a:spcAft>
+                <a:spcPct val="0"/>
+              </a:spcAft>
+              <a:buFont typeface="Arial" panose="020B0604020202020204" pitchFamily="34" charset="0"/>
+              <a:buChar char="•"/>
+            </a:pPr>
+            <a:r>
+              <a:rPr lang="es-ES" sz="3600" kern="0">
+                <a:solidFill>
+                  <a:sysClr val="windowText" lastClr="000000"/>
+                </a:solidFill>
+                <a:latin typeface="Times New Roman" panose="02020603050405020304" pitchFamily="18" charset="0"/>
+                <a:cs typeface="Times New Roman" panose="02020603050405020304" pitchFamily="18" charset="0"/>
+              </a:rPr>
+              <a:t>Garantizar la seguridad y privacidad de la información de los usuarios.</a:t>
+            </a:r>
+          </a:p>
+          <a:p>
+            <a:pPr marL="342900" indent="-342900" algn="just" eaLnBrk="0" fontAlgn="base" hangingPunct="0">
+              <a:spcBef>
+                <a:spcPct val="0"/>
+              </a:spcBef>
+              <a:spcAft>
+                <a:spcPct val="0"/>
+              </a:spcAft>
+              <a:buFont typeface="Arial" panose="020B0604020202020204" pitchFamily="34" charset="0"/>
+              <a:buChar char="•"/>
+            </a:pPr>
+            <a:endParaRPr lang="es-ES" sz="3600" kern="0">
+              <a:solidFill>
+                <a:sysClr val="windowText" lastClr="000000"/>
+              </a:solidFill>
+              <a:latin typeface="Times New Roman" panose="02020603050405020304" pitchFamily="18" charset="0"/>
+              <a:cs typeface="Times New Roman" panose="02020603050405020304" pitchFamily="18" charset="0"/>
+            </a:endParaRPr>
+          </a:p>
+          <a:p>
+            <a:pPr marL="342900" indent="-342900" algn="just" eaLnBrk="0" fontAlgn="base" hangingPunct="0">
+              <a:spcBef>
+                <a:spcPct val="0"/>
+              </a:spcBef>
+              <a:spcAft>
+                <a:spcPct val="0"/>
+              </a:spcAft>
+              <a:buFont typeface="Arial" panose="020B0604020202020204" pitchFamily="34" charset="0"/>
+              <a:buChar char="•"/>
+            </a:pPr>
+            <a:r>
+              <a:rPr lang="es-ES" sz="3600" kern="0">
                 <a:solidFill>
                   <a:sysClr val="windowText" lastClr="000000"/>
                 </a:solidFill>
@@ -8720,6 +7450,13 @@
               </a:rPr>
               <a:t>Evaluar el impacto del sistema D.S.B. en la mejora de la salud de los usuarios.</a:t>
             </a:r>
+            <a:endParaRPr lang="es-ES" sz="3600" kern="0" dirty="0">
+              <a:solidFill>
+                <a:sysClr val="windowText" lastClr="000000"/>
+              </a:solidFill>
+              <a:latin typeface="Times New Roman" panose="02020603050405020304" pitchFamily="18" charset="0"/>
+              <a:cs typeface="Times New Roman" panose="02020603050405020304" pitchFamily="18" charset="0"/>
+            </a:endParaRPr>
           </a:p>
         </p:txBody>
       </p:sp>
@@ -8968,7 +7705,7 @@
                 <a:latin typeface="Times New Roman" panose="02020603050405020304" pitchFamily="18" charset="0"/>
                 <a:cs typeface="Times New Roman" panose="02020603050405020304" pitchFamily="18" charset="0"/>
               </a:rPr>
-              <a:t>El proyecto D.B.S (Desarrollo de un sistema de salud y bienestar) aborda la problemática de enfermedades crónicas como la diabetes e hipertensión en Cartagena de Indias, impactando negativamente en la calidad de vida individual y comunitaria. Su enfoque integral se basa en la evaluación, la promoción de hábitos saludables y el empoderamiento del usuario mediante herramientas que permiten la autogestión de la salud, contribuyendo así a la prevención y control de estas enfermedades y mejorando la calidad de vida.</a:t>
+              <a:t>El proyecto D.B.S (Desarrollo de un sistema de salud y bienestar) aborda la problemática de enfermedades crónicas como la diabetes e hipertensión en Cartagena de Indias, impactando negativamente en la calidad de vida individual y comunitaria. Su enfoque integral se basa en la evaluación individualizada, la promoción de hábitos saludables y el empoderamiento del usuario mediante herramientas que permiten la autogestión de la salud, contribuyendo así a la prevención y control de estas enfermedades y mejorando la calidad de vida de los afectados.</a:t>
             </a:r>
             <a:endParaRPr kumimoji="0" lang="es-CO" sz="3600" b="0" i="0" u="none" strike="noStrike" cap="none" normalizeH="0" baseline="0" dirty="0">
               <a:ln>
@@ -9229,7 +7966,7 @@
                 <a:latin typeface="Times New Roman" panose="02020603050405020304" pitchFamily="18" charset="0"/>
                 <a:cs typeface="Times New Roman" panose="02020603050405020304" pitchFamily="18" charset="0"/>
               </a:rPr>
-              <a:t>El abandono de tratamientos médicos en Cartagena, atribuido a factores económicos y la falta de medicamentos, tiene graves repercusiones en pacientes con enfermedades crónicas, reflejado en alarmantes estadísticas como el 45% de falta de adherencia al tratamiento. Para abordar esta problemática, es imperativo mejorar el acceso a la atención médica, garantizar la disponibilidad de mejorar la salud y educar a los pacientes sobre la importancia del cumplimiento del tratamiento, con el fin de prevenir muertes evitables y mejorar la calidad de vida de la población colombiana.</a:t>
+              <a:t>El abandono de tratamientos médicos en Cartagena, atribuido a factores económicos y la falta de medicamentos, tiene graves repercusiones en pacientes con enfermedades crónicas, reflejado en alarmantes estadísticas como el 45% de falta de adherencia al tratamiento. Para abordar esta problemática, es imperativo mejorar el acceso a la atención médica, garantizar la disponibilidad de medicamentos y educar a los pacientes sobre la importancia del cumplimiento del tratamiento, con el fin de prevenir muertes evitables y mejorar la calidad de vida de la población colombiana.</a:t>
             </a:r>
             <a:endParaRPr kumimoji="0" lang="es-CO" sz="3600" b="0" i="0" u="none" strike="noStrike" cap="none" normalizeH="0" baseline="0" dirty="0">
               <a:ln>
@@ -9365,7 +8102,7 @@
             </p:nvSpPr>
             <p:spPr bwMode="auto">
               <a:xfrm flipH="1">
-                <a:off x="1060450" y="2759075"/>
+                <a:off x="222250" y="2589670"/>
                 <a:ext cx="15011400" cy="5173276"/>
               </a:xfrm>
               <a:prstGeom prst="rect">
@@ -10380,7 +9117,7 @@
             </p:nvSpPr>
             <p:spPr bwMode="auto">
               <a:xfrm flipH="1">
-                <a:off x="1060450" y="2759075"/>
+                <a:off x="222250" y="2589670"/>
                 <a:ext cx="15011400" cy="5173276"/>
               </a:xfrm>
               <a:prstGeom prst="rect">
@@ -10389,7 +9126,7 @@
               <a:blipFill>
                 <a:blip r:embed="rId3"/>
                 <a:stretch>
-                  <a:fillRect l="-853" t="-1769"/>
+                  <a:fillRect l="-812" t="-1061"/>
                 </a:stretch>
               </a:blipFill>
               <a:ln>
@@ -10455,7 +9192,7 @@
         </p:blipFill>
         <p:spPr>
           <a:xfrm>
-            <a:off x="14928850" y="5654675"/>
+            <a:off x="15133387" y="5426075"/>
             <a:ext cx="4315326" cy="4315326"/>
           </a:xfrm>
           <a:prstGeom prst="rect">
@@ -10933,7 +9670,7 @@
             </p:nvSpPr>
             <p:spPr bwMode="auto">
               <a:xfrm flipH="1">
-                <a:off x="984250" y="3115518"/>
+                <a:off x="0" y="2886918"/>
                 <a:ext cx="13800250" cy="5078313"/>
               </a:xfrm>
               <a:prstGeom prst="rect">
@@ -11843,7 +10580,7 @@
             </p:nvSpPr>
             <p:spPr bwMode="auto">
               <a:xfrm flipH="1">
-                <a:off x="984250" y="3115518"/>
+                <a:off x="0" y="2886918"/>
                 <a:ext cx="13800250" cy="5078313"/>
               </a:xfrm>
               <a:prstGeom prst="rect">
@@ -11852,7 +10589,7 @@
               <a:blipFill>
                 <a:blip r:embed="rId4"/>
                 <a:stretch>
-                  <a:fillRect l="-1193" t="-1441"/>
+                  <a:fillRect l="-1193" t="-1561"/>
                 </a:stretch>
               </a:blipFill>
               <a:ln>
